--- a/docs/Slides.pptx
+++ b/docs/Slides.pptx
@@ -5,7 +5,7 @@
     <p:sldMasterId id="2147483737" r:id="rId1"/>
   </p:sldMasterIdLst>
   <p:notesMasterIdLst>
-    <p:notesMasterId r:id="rId9"/>
+    <p:notesMasterId r:id="rId10"/>
   </p:notesMasterIdLst>
   <p:sldIdLst>
     <p:sldId id="256" r:id="rId2"/>
@@ -14,28 +14,29 @@
     <p:sldId id="276" r:id="rId5"/>
     <p:sldId id="295" r:id="rId6"/>
     <p:sldId id="344" r:id="rId7"/>
-    <p:sldId id="345" r:id="rId8"/>
+    <p:sldId id="346" r:id="rId8"/>
+    <p:sldId id="345" r:id="rId9"/>
   </p:sldIdLst>
   <p:sldSz cx="9144000" cy="5143500" type="screen16x9"/>
   <p:notesSz cx="6858000" cy="9144000"/>
   <p:embeddedFontLst>
     <p:embeddedFont>
-      <p:font typeface="Fira Sans Extra Condensed Medium" panose="020B0603050000020004" pitchFamily="34" charset="0"/>
-      <p:regular r:id="rId10"/>
-      <p:bold r:id="rId11"/>
-      <p:italic r:id="rId12"/>
-      <p:boldItalic r:id="rId13"/>
+      <p:font typeface="Fira Sans Extra Condensed Medium" panose="020B0604020202020204" charset="0"/>
+      <p:regular r:id="rId11"/>
+      <p:bold r:id="rId12"/>
+      <p:italic r:id="rId13"/>
+      <p:boldItalic r:id="rId14"/>
     </p:embeddedFont>
     <p:embeddedFont>
-      <p:font typeface="Roboto Condensed Light" panose="020F0302020204030204" pitchFamily="34" charset="0"/>
-      <p:regular r:id="rId14"/>
-      <p:bold r:id="rId15"/>
-      <p:italic r:id="rId16"/>
-      <p:boldItalic r:id="rId17"/>
+      <p:font typeface="Roboto Condensed Light" panose="02000000000000000000" pitchFamily="2" charset="0"/>
+      <p:regular r:id="rId15"/>
+      <p:bold r:id="rId16"/>
+      <p:italic r:id="rId17"/>
+      <p:boldItalic r:id="rId18"/>
     </p:embeddedFont>
     <p:embeddedFont>
-      <p:font typeface="Squada One" panose="02000000000000000000" pitchFamily="2" charset="0"/>
-      <p:regular r:id="rId18"/>
+      <p:font typeface="Squada One" panose="020B0604020202020204" charset="0"/>
+      <p:regular r:id="rId19"/>
     </p:embeddedFont>
   </p:embeddedFontLst>
   <p:defaultTextStyle>
@@ -267,6 +268,11 @@
       </a:defRPr>
     </a:lvl9pPr>
   </p:defaultTextStyle>
+  <p:extLst>
+    <p:ext uri="{EFAFB233-063F-42B5-8137-9DF3F51BA10A}">
+      <p15:sldGuideLst xmlns:p15="http://schemas.microsoft.com/office/powerpoint/2012/main"/>
+    </p:ext>
+  </p:extLst>
 </p:presentation>
 </file>
 
@@ -1555,7 +1561,7 @@
             </a:pPr>
             <a:fld id="{00000000-1234-1234-1234-123412341234}" type="slidenum">
               <a:rPr lang="en"/>
-              <a:t>‹#›</a:t>
+              <a:t>‹nº›</a:t>
             </a:fld>
             <a:endParaRPr/>
           </a:p>
@@ -2072,7 +2078,7 @@
             </a:pPr>
             <a:fld id="{00000000-1234-1234-1234-123412341234}" type="slidenum">
               <a:rPr lang="en"/>
-              <a:t>‹#›</a:t>
+              <a:t>‹nº›</a:t>
             </a:fld>
             <a:endParaRPr/>
           </a:p>
@@ -7918,7 +7924,7 @@
             </a:pPr>
             <a:fld id="{00000000-1234-1234-1234-123412341234}" type="slidenum">
               <a:rPr lang="en"/>
-              <a:t>‹#›</a:t>
+              <a:t>‹nº›</a:t>
             </a:fld>
             <a:endParaRPr/>
           </a:p>
@@ -12239,7 +12245,7 @@
         </p:nvSpPr>
         <p:spPr>
           <a:xfrm>
-            <a:off x="4931799" y="3215458"/>
+            <a:off x="4902770" y="3179172"/>
             <a:ext cx="3242700" cy="798000"/>
           </a:xfrm>
           <a:prstGeom prst="rect">
@@ -12306,8 +12312,8 @@
         </p:nvSpPr>
         <p:spPr>
           <a:xfrm flipH="1">
-            <a:off x="795589" y="2095105"/>
-            <a:ext cx="2875200" cy="798000"/>
+            <a:off x="667656" y="2095105"/>
+            <a:ext cx="2857989" cy="696685"/>
           </a:xfrm>
           <a:prstGeom prst="rect">
             <a:avLst/>
@@ -12350,6 +12356,426 @@
 </file>
 
 <file path=ppt/slides/slide7.xml><?xml version="1.0" encoding="utf-8"?>
+<p:sld xmlns:a="http://schemas.openxmlformats.org/drawingml/2006/main" xmlns:r="http://schemas.openxmlformats.org/officeDocument/2006/relationships" xmlns:p="http://schemas.openxmlformats.org/presentationml/2006/main">
+  <p:cSld>
+    <p:spTree>
+      <p:nvGrpSpPr>
+        <p:cNvPr id="1" name=""/>
+        <p:cNvGrpSpPr/>
+        <p:nvPr/>
+      </p:nvGrpSpPr>
+      <p:grpSpPr>
+        <a:xfrm>
+          <a:off x="0" y="0"/>
+          <a:ext cx="0" cy="0"/>
+          <a:chOff x="0" y="0"/>
+          <a:chExt cx="0" cy="0"/>
+        </a:xfrm>
+      </p:grpSpPr>
+      <p:sp>
+        <p:nvSpPr>
+          <p:cNvPr id="7" name="Google Shape;970;p114">
+            <a:extLst>
+              <a:ext uri="{FF2B5EF4-FFF2-40B4-BE49-F238E27FC236}">
+                <a16:creationId xmlns:a16="http://schemas.microsoft.com/office/drawing/2014/main" id="{E0D13735-8954-F992-8D98-F433D6891CD4}"/>
+              </a:ext>
+            </a:extLst>
+          </p:cNvPr>
+          <p:cNvSpPr txBox="1">
+            <a:spLocks noGrp="1"/>
+          </p:cNvSpPr>
+          <p:nvPr>
+            <p:ph type="ctrTitle"/>
+          </p:nvPr>
+        </p:nvSpPr>
+        <p:spPr>
+          <a:xfrm flipH="1">
+            <a:off x="464455" y="2056549"/>
+            <a:ext cx="2874963" cy="1030401"/>
+          </a:xfrm>
+          <a:prstGeom prst="rect">
+            <a:avLst/>
+          </a:prstGeom>
+        </p:spPr>
+        <p:txBody>
+          <a:bodyPr spcFirstLastPara="1" wrap="square" lIns="91425" tIns="91425" rIns="91425" bIns="91425" anchor="t" anchorCtr="0">
+            <a:noAutofit/>
+          </a:bodyPr>
+          <a:lstStyle/>
+          <a:p>
+            <a:pPr marL="0" lvl="0" indent="0" algn="ctr" rtl="0">
+              <a:spcBef>
+                <a:spcPts val="0"/>
+              </a:spcBef>
+              <a:spcAft>
+                <a:spcPts val="0"/>
+              </a:spcAft>
+              <a:buNone/>
+            </a:pPr>
+            <a:r>
+              <a:rPr lang="pt-PT" sz="4400" dirty="0"/>
+              <a:t>Melhorias</a:t>
+            </a:r>
+            <a:endParaRPr dirty="0"/>
+          </a:p>
+        </p:txBody>
+      </p:sp>
+      <p:sp>
+        <p:nvSpPr>
+          <p:cNvPr id="8" name="Google Shape;971;p114">
+            <a:extLst>
+              <a:ext uri="{FF2B5EF4-FFF2-40B4-BE49-F238E27FC236}">
+                <a16:creationId xmlns:a16="http://schemas.microsoft.com/office/drawing/2014/main" id="{DCA55A47-1BCA-EC18-3707-116A848DFC0A}"/>
+              </a:ext>
+            </a:extLst>
+          </p:cNvPr>
+          <p:cNvSpPr txBox="1">
+            <a:spLocks noGrp="1"/>
+          </p:cNvSpPr>
+          <p:nvPr>
+            <p:ph type="subTitle" idx="1"/>
+          </p:nvPr>
+        </p:nvSpPr>
+        <p:spPr>
+          <a:xfrm>
+            <a:off x="4572000" y="1118441"/>
+            <a:ext cx="3776411" cy="751246"/>
+          </a:xfrm>
+          <a:prstGeom prst="rect">
+            <a:avLst/>
+          </a:prstGeom>
+        </p:spPr>
+        <p:txBody>
+          <a:bodyPr spcFirstLastPara="1" wrap="square" lIns="91425" tIns="91425" rIns="91425" bIns="91425" anchor="t" anchorCtr="0">
+            <a:noAutofit/>
+          </a:bodyPr>
+          <a:lstStyle/>
+          <a:p>
+            <a:pPr marL="0" indent="0">
+              <a:buClr>
+                <a:schemeClr val="dk1"/>
+              </a:buClr>
+              <a:buSzPts val="1100"/>
+            </a:pPr>
+            <a:r>
+              <a:rPr lang="pt-PT" sz="2000" dirty="0">
+                <a:latin typeface="Times New Roman" panose="02020603050405020304" pitchFamily="18" charset="0"/>
+                <a:cs typeface="Times New Roman" panose="02020603050405020304" pitchFamily="18" charset="0"/>
+              </a:rPr>
+              <a:t>Cancelamento da procura de jogo</a:t>
+            </a:r>
+          </a:p>
+        </p:txBody>
+      </p:sp>
+      <p:sp>
+        <p:nvSpPr>
+          <p:cNvPr id="9" name="Google Shape;971;p114">
+            <a:extLst>
+              <a:ext uri="{FF2B5EF4-FFF2-40B4-BE49-F238E27FC236}">
+                <a16:creationId xmlns:a16="http://schemas.microsoft.com/office/drawing/2014/main" id="{2A43D4D7-C376-5207-30AC-73E759219100}"/>
+              </a:ext>
+            </a:extLst>
+          </p:cNvPr>
+          <p:cNvSpPr txBox="1">
+            <a:spLocks/>
+          </p:cNvSpPr>
+          <p:nvPr/>
+        </p:nvSpPr>
+        <p:spPr>
+          <a:xfrm>
+            <a:off x="4572000" y="3418956"/>
+            <a:ext cx="3776411" cy="1143578"/>
+          </a:xfrm>
+          <a:prstGeom prst="rect">
+            <a:avLst/>
+          </a:prstGeom>
+          <a:noFill/>
+          <a:ln>
+            <a:noFill/>
+          </a:ln>
+        </p:spPr>
+        <p:txBody>
+          <a:bodyPr spcFirstLastPara="1" wrap="square" lIns="91425" tIns="91425" rIns="91425" bIns="91425" anchor="t" anchorCtr="0">
+            <a:noAutofit/>
+          </a:bodyPr>
+          <a:lstStyle>
+            <a:defPPr marR="0" lvl="0" algn="l" rtl="0">
+              <a:lnSpc>
+                <a:spcPct val="100000"/>
+              </a:lnSpc>
+              <a:spcBef>
+                <a:spcPts val="0"/>
+              </a:spcBef>
+              <a:spcAft>
+                <a:spcPts val="0"/>
+              </a:spcAft>
+            </a:defPPr>
+            <a:lvl1pPr marL="457200" marR="0" lvl="0" indent="-342900" algn="ctr" rtl="0">
+              <a:lnSpc>
+                <a:spcPct val="100000"/>
+              </a:lnSpc>
+              <a:spcBef>
+                <a:spcPts val="0"/>
+              </a:spcBef>
+              <a:spcAft>
+                <a:spcPts val="0"/>
+              </a:spcAft>
+              <a:buClr>
+                <a:schemeClr val="lt1"/>
+              </a:buClr>
+              <a:buSzPts val="1000"/>
+              <a:buFont typeface="Roboto Condensed Light"/>
+              <a:buNone/>
+              <a:defRPr sz="1400" b="0" i="0" u="none" strike="noStrike" cap="none">
+                <a:solidFill>
+                  <a:schemeClr val="lt1"/>
+                </a:solidFill>
+                <a:latin typeface="Roboto Condensed Light"/>
+                <a:ea typeface="Roboto Condensed Light"/>
+                <a:cs typeface="Roboto Condensed Light"/>
+                <a:sym typeface="Roboto Condensed Light"/>
+              </a:defRPr>
+            </a:lvl1pPr>
+            <a:lvl2pPr marL="914400" marR="0" lvl="1" indent="-317500" algn="ctr" rtl="0">
+              <a:lnSpc>
+                <a:spcPct val="100000"/>
+              </a:lnSpc>
+              <a:spcBef>
+                <a:spcPts val="0"/>
+              </a:spcBef>
+              <a:spcAft>
+                <a:spcPts val="0"/>
+              </a:spcAft>
+              <a:buClr>
+                <a:schemeClr val="lt1"/>
+              </a:buClr>
+              <a:buSzPts val="1000"/>
+              <a:buFont typeface="Roboto Condensed Light"/>
+              <a:buNone/>
+              <a:defRPr sz="1000" b="0" i="0" u="none" strike="noStrike" cap="none">
+                <a:solidFill>
+                  <a:schemeClr val="lt1"/>
+                </a:solidFill>
+                <a:latin typeface="Roboto Condensed Light"/>
+                <a:ea typeface="Roboto Condensed Light"/>
+                <a:cs typeface="Roboto Condensed Light"/>
+                <a:sym typeface="Roboto Condensed Light"/>
+              </a:defRPr>
+            </a:lvl2pPr>
+            <a:lvl3pPr marL="1371600" marR="0" lvl="2" indent="-317500" algn="ctr" rtl="0">
+              <a:lnSpc>
+                <a:spcPct val="100000"/>
+              </a:lnSpc>
+              <a:spcBef>
+                <a:spcPts val="0"/>
+              </a:spcBef>
+              <a:spcAft>
+                <a:spcPts val="0"/>
+              </a:spcAft>
+              <a:buClr>
+                <a:schemeClr val="lt1"/>
+              </a:buClr>
+              <a:buSzPts val="1000"/>
+              <a:buFont typeface="Roboto Condensed Light"/>
+              <a:buNone/>
+              <a:defRPr sz="1000" b="0" i="0" u="none" strike="noStrike" cap="none">
+                <a:solidFill>
+                  <a:schemeClr val="lt1"/>
+                </a:solidFill>
+                <a:latin typeface="Roboto Condensed Light"/>
+                <a:ea typeface="Roboto Condensed Light"/>
+                <a:cs typeface="Roboto Condensed Light"/>
+                <a:sym typeface="Roboto Condensed Light"/>
+              </a:defRPr>
+            </a:lvl3pPr>
+            <a:lvl4pPr marL="1828800" marR="0" lvl="3" indent="-317500" algn="ctr" rtl="0">
+              <a:lnSpc>
+                <a:spcPct val="100000"/>
+              </a:lnSpc>
+              <a:spcBef>
+                <a:spcPts val="0"/>
+              </a:spcBef>
+              <a:spcAft>
+                <a:spcPts val="0"/>
+              </a:spcAft>
+              <a:buClr>
+                <a:schemeClr val="lt1"/>
+              </a:buClr>
+              <a:buSzPts val="1000"/>
+              <a:buFont typeface="Roboto Condensed Light"/>
+              <a:buNone/>
+              <a:defRPr sz="1000" b="0" i="0" u="none" strike="noStrike" cap="none">
+                <a:solidFill>
+                  <a:schemeClr val="lt1"/>
+                </a:solidFill>
+                <a:latin typeface="Roboto Condensed Light"/>
+                <a:ea typeface="Roboto Condensed Light"/>
+                <a:cs typeface="Roboto Condensed Light"/>
+                <a:sym typeface="Roboto Condensed Light"/>
+              </a:defRPr>
+            </a:lvl4pPr>
+            <a:lvl5pPr marL="2286000" marR="0" lvl="4" indent="-317500" algn="ctr" rtl="0">
+              <a:lnSpc>
+                <a:spcPct val="100000"/>
+              </a:lnSpc>
+              <a:spcBef>
+                <a:spcPts val="0"/>
+              </a:spcBef>
+              <a:spcAft>
+                <a:spcPts val="0"/>
+              </a:spcAft>
+              <a:buClr>
+                <a:schemeClr val="lt1"/>
+              </a:buClr>
+              <a:buSzPts val="1000"/>
+              <a:buFont typeface="Roboto Condensed Light"/>
+              <a:buNone/>
+              <a:defRPr sz="1000" b="0" i="0" u="none" strike="noStrike" cap="none">
+                <a:solidFill>
+                  <a:schemeClr val="lt1"/>
+                </a:solidFill>
+                <a:latin typeface="Roboto Condensed Light"/>
+                <a:ea typeface="Roboto Condensed Light"/>
+                <a:cs typeface="Roboto Condensed Light"/>
+                <a:sym typeface="Roboto Condensed Light"/>
+              </a:defRPr>
+            </a:lvl5pPr>
+            <a:lvl6pPr marL="2743200" marR="0" lvl="5" indent="-317500" algn="ctr" rtl="0">
+              <a:lnSpc>
+                <a:spcPct val="100000"/>
+              </a:lnSpc>
+              <a:spcBef>
+                <a:spcPts val="0"/>
+              </a:spcBef>
+              <a:spcAft>
+                <a:spcPts val="0"/>
+              </a:spcAft>
+              <a:buClr>
+                <a:schemeClr val="lt1"/>
+              </a:buClr>
+              <a:buSzPts val="1000"/>
+              <a:buFont typeface="Roboto Condensed Light"/>
+              <a:buNone/>
+              <a:defRPr sz="1000" b="0" i="0" u="none" strike="noStrike" cap="none">
+                <a:solidFill>
+                  <a:schemeClr val="lt1"/>
+                </a:solidFill>
+                <a:latin typeface="Roboto Condensed Light"/>
+                <a:ea typeface="Roboto Condensed Light"/>
+                <a:cs typeface="Roboto Condensed Light"/>
+                <a:sym typeface="Roboto Condensed Light"/>
+              </a:defRPr>
+            </a:lvl6pPr>
+            <a:lvl7pPr marL="3200400" marR="0" lvl="6" indent="-317500" algn="ctr" rtl="0">
+              <a:lnSpc>
+                <a:spcPct val="100000"/>
+              </a:lnSpc>
+              <a:spcBef>
+                <a:spcPts val="0"/>
+              </a:spcBef>
+              <a:spcAft>
+                <a:spcPts val="0"/>
+              </a:spcAft>
+              <a:buClr>
+                <a:schemeClr val="lt1"/>
+              </a:buClr>
+              <a:buSzPts val="1000"/>
+              <a:buFont typeface="Roboto Condensed Light"/>
+              <a:buNone/>
+              <a:defRPr sz="1000" b="0" i="0" u="none" strike="noStrike" cap="none">
+                <a:solidFill>
+                  <a:schemeClr val="lt1"/>
+                </a:solidFill>
+                <a:latin typeface="Roboto Condensed Light"/>
+                <a:ea typeface="Roboto Condensed Light"/>
+                <a:cs typeface="Roboto Condensed Light"/>
+                <a:sym typeface="Roboto Condensed Light"/>
+              </a:defRPr>
+            </a:lvl7pPr>
+            <a:lvl8pPr marL="3657600" marR="0" lvl="7" indent="-317500" algn="ctr" rtl="0">
+              <a:lnSpc>
+                <a:spcPct val="100000"/>
+              </a:lnSpc>
+              <a:spcBef>
+                <a:spcPts val="0"/>
+              </a:spcBef>
+              <a:spcAft>
+                <a:spcPts val="0"/>
+              </a:spcAft>
+              <a:buClr>
+                <a:schemeClr val="lt1"/>
+              </a:buClr>
+              <a:buSzPts val="1000"/>
+              <a:buFont typeface="Roboto Condensed Light"/>
+              <a:buNone/>
+              <a:defRPr sz="1000" b="0" i="0" u="none" strike="noStrike" cap="none">
+                <a:solidFill>
+                  <a:schemeClr val="lt1"/>
+                </a:solidFill>
+                <a:latin typeface="Roboto Condensed Light"/>
+                <a:ea typeface="Roboto Condensed Light"/>
+                <a:cs typeface="Roboto Condensed Light"/>
+                <a:sym typeface="Roboto Condensed Light"/>
+              </a:defRPr>
+            </a:lvl8pPr>
+            <a:lvl9pPr marL="4114800" marR="0" lvl="8" indent="-317500" algn="ctr" rtl="0">
+              <a:lnSpc>
+                <a:spcPct val="100000"/>
+              </a:lnSpc>
+              <a:spcBef>
+                <a:spcPts val="0"/>
+              </a:spcBef>
+              <a:spcAft>
+                <a:spcPts val="0"/>
+              </a:spcAft>
+              <a:buClr>
+                <a:schemeClr val="lt1"/>
+              </a:buClr>
+              <a:buSzPts val="1000"/>
+              <a:buFont typeface="Roboto Condensed Light"/>
+              <a:buNone/>
+              <a:defRPr sz="1000" b="0" i="0" u="none" strike="noStrike" cap="none">
+                <a:solidFill>
+                  <a:schemeClr val="lt1"/>
+                </a:solidFill>
+                <a:latin typeface="Roboto Condensed Light"/>
+                <a:ea typeface="Roboto Condensed Light"/>
+                <a:cs typeface="Roboto Condensed Light"/>
+                <a:sym typeface="Roboto Condensed Light"/>
+              </a:defRPr>
+            </a:lvl9pPr>
+          </a:lstStyle>
+          <a:p>
+            <a:pPr marL="0" indent="0">
+              <a:buClr>
+                <a:schemeClr val="dk1"/>
+              </a:buClr>
+              <a:buSzPts val="1100"/>
+            </a:pPr>
+            <a:r>
+              <a:rPr lang="pt-PT" sz="2000" dirty="0">
+                <a:latin typeface="Times New Roman" panose="02020603050405020304" pitchFamily="18" charset="0"/>
+                <a:cs typeface="Times New Roman" panose="02020603050405020304" pitchFamily="18" charset="0"/>
+              </a:rPr>
+              <a:t>Temporização das jogadas</a:t>
+            </a:r>
+          </a:p>
+        </p:txBody>
+      </p:sp>
+    </p:spTree>
+    <p:extLst>
+      <p:ext uri="{BB962C8B-B14F-4D97-AF65-F5344CB8AC3E}">
+        <p14:creationId xmlns:p14="http://schemas.microsoft.com/office/powerpoint/2010/main" val="247608880"/>
+      </p:ext>
+    </p:extLst>
+  </p:cSld>
+  <p:clrMapOvr>
+    <a:masterClrMapping/>
+  </p:clrMapOvr>
+</p:sld>
+</file>
+
+<file path=ppt/slides/slide8.xml><?xml version="1.0" encoding="utf-8"?>
 <p:sld xmlns:a="http://schemas.openxmlformats.org/drawingml/2006/main" xmlns:r="http://schemas.openxmlformats.org/officeDocument/2006/relationships" xmlns:p="http://schemas.openxmlformats.org/presentationml/2006/main">
   <p:cSld>
     <p:spTree>
